--- a/annotated_presentation.pptx
+++ b/annotated_presentation.pptx
@@ -3107,7 +3107,7 @@
       </p:sp>
       <p:pic>
         <p:nvPicPr>
-          <p:cNvPr id="3" name="Picture 2" descr="conveyor_machine.png"/>
+          <p:cNvPr id="3" name="Picture 2" descr="image.png"/>
           <p:cNvPicPr>
             <a:picLocks noChangeAspect="1"/>
           </p:cNvPicPr>
@@ -3121,8 +3121,8 @@
         </p:blipFill>
         <p:spPr>
           <a:xfrm>
-            <a:off x="914400" y="914400"/>
-            <a:ext cx="7315200" cy="4876800"/>
+            <a:off x="2286000" y="1905000"/>
+            <a:ext cx="4572000" cy="3048000"/>
           </a:xfrm>
           <a:prstGeom prst="rect">
             <a:avLst/>
@@ -3137,8 +3137,8 @@
         </p:nvSpPr>
         <p:spPr>
           <a:xfrm>
-            <a:off x="2133600" y="2800350"/>
-            <a:ext cx="1219200" cy="1257300"/>
+            <a:off x="3840480" y="4282440"/>
+            <a:ext cx="350520" cy="541020"/>
           </a:xfrm>
           <a:prstGeom prst="rect">
             <a:avLst/>
@@ -3179,9 +3179,9 @@
           <p:nvPr/>
         </p:nvCxnSpPr>
         <p:spPr>
-          <a:xfrm>
-            <a:off x="3352800.0" y="3429000.0"/>
-            <a:ext cx="3048000.0" cy="0.0"/>
+          <a:xfrm flipV="1">
+            <a:off x="4191000.0" y="3337560.0"/>
+            <a:ext cx="2849880.0" cy="1215390.0"/>
           </a:xfrm>
           <a:prstGeom prst="line">
             <a:avLst/>
@@ -3215,8 +3215,8 @@
         </p:nvSpPr>
         <p:spPr>
           <a:xfrm>
-            <a:off x="6400800" y="2800350"/>
-            <a:ext cx="1828800" cy="457200"/>
+            <a:off x="7040880" y="3108960"/>
+            <a:ext cx="1920240" cy="457200"/>
           </a:xfrm>
           <a:prstGeom prst="rect">
             <a:avLst/>
@@ -3230,119 +3230,10 @@
           <a:lstStyle/>
           <a:p>
             <a:pPr>
-              <a:defRPr sz="2160" b="1"/>
+              <a:defRPr sz="1200" b="1"/>
             </a:pPr>
             <a:r>
-              <a:t>Screw</a:t>
-            </a:r>
-          </a:p>
-        </p:txBody>
-      </p:sp>
-      <p:sp>
-        <p:nvSpPr>
-          <p:cNvPr id="7" name="Rectangle 6"/>
-          <p:cNvSpPr/>
-          <p:nvPr/>
-        </p:nvSpPr>
-        <p:spPr>
-          <a:xfrm>
-            <a:off x="4572000" y="5314950"/>
-            <a:ext cx="1219200" cy="1257300"/>
-          </a:xfrm>
-          <a:prstGeom prst="rect">
-            <a:avLst/>
-          </a:prstGeom>
-          <a:noFill/>
-          <a:ln>
-            <a:solidFill>
-              <a:srgbClr val="FF0000"/>
-            </a:solidFill>
-          </a:ln>
-        </p:spPr>
-        <p:style>
-          <a:lnRef idx="1">
-            <a:schemeClr val="accent1"/>
-          </a:lnRef>
-          <a:fillRef idx="3">
-            <a:schemeClr val="accent1"/>
-          </a:fillRef>
-          <a:effectRef idx="2">
-            <a:schemeClr val="accent1"/>
-          </a:effectRef>
-          <a:fontRef idx="minor">
-            <a:schemeClr val="lt1"/>
-          </a:fontRef>
-        </p:style>
-        <p:txBody>
-          <a:bodyPr rtlCol="0" anchor="ctr"/>
-          <a:lstStyle/>
-          <a:p>
-            <a:pPr algn="ctr"/>
-          </a:p>
-        </p:txBody>
-      </p:sp>
-      <p:cxnSp>
-        <p:nvCxnSpPr>
-          <p:cNvPr id="8" name="Connector 7"/>
-          <p:cNvCxnSpPr/>
-          <p:nvPr/>
-        </p:nvCxnSpPr>
-        <p:spPr>
-          <a:xfrm>
-            <a:off x="5791200.0" y="5943600.0"/>
-            <a:ext cx="609600.0" cy="0.0"/>
-          </a:xfrm>
-          <a:prstGeom prst="line">
-            <a:avLst/>
-          </a:prstGeom>
-          <a:ln>
-            <a:solidFill>
-              <a:srgbClr val="0000FF"/>
-            </a:solidFill>
-          </a:ln>
-        </p:spPr>
-        <p:style>
-          <a:lnRef idx="2">
-            <a:schemeClr val="accent1"/>
-          </a:lnRef>
-          <a:fillRef idx="0">
-            <a:schemeClr val="accent1"/>
-          </a:fillRef>
-          <a:effectRef idx="1">
-            <a:schemeClr val="accent1"/>
-          </a:effectRef>
-          <a:fontRef idx="minor">
-            <a:schemeClr val="tx1"/>
-          </a:fontRef>
-        </p:style>
-      </p:cxnSp>
-      <p:sp>
-        <p:nvSpPr>
-          <p:cNvPr id="9" name="TextBox 8"/>
-          <p:cNvSpPr txBox="1"/>
-          <p:nvPr/>
-        </p:nvSpPr>
-        <p:spPr>
-          <a:xfrm>
-            <a:off x="6400800" y="5314950"/>
-            <a:ext cx="1828800" cy="457200"/>
-          </a:xfrm>
-          <a:prstGeom prst="rect">
-            <a:avLst/>
-          </a:prstGeom>
-          <a:noFill/>
-        </p:spPr>
-        <p:txBody>
-          <a:bodyPr wrap="none">
-            <a:spAutoFit/>
-          </a:bodyPr>
-          <a:lstStyle/>
-          <a:p>
-            <a:pPr>
-              <a:defRPr sz="2160" b="1"/>
-            </a:pPr>
-            <a:r>
-              <a:t>Bolt</a:t>
+              <a:t>Levelling feet</a:t>
             </a:r>
           </a:p>
         </p:txBody>

--- a/annotated_presentation.pptx
+++ b/annotated_presentation.pptx
@@ -3137,8 +3137,8 @@
         </p:nvSpPr>
         <p:spPr>
           <a:xfrm>
-            <a:off x="3840480" y="4282440"/>
-            <a:ext cx="350520" cy="541020"/>
+            <a:off x="3802380" y="2194560"/>
+            <a:ext cx="350520" cy="457200"/>
           </a:xfrm>
           <a:prstGeom prst="rect">
             <a:avLst/>
@@ -3179,9 +3179,9 @@
           <p:nvPr/>
         </p:nvCxnSpPr>
         <p:spPr>
-          <a:xfrm flipV="1">
-            <a:off x="4191000.0" y="3337560.0"/>
-            <a:ext cx="2849880.0" cy="1215390.0"/>
+          <a:xfrm>
+            <a:off x="4152900.0" y="2423160.0"/>
+            <a:ext cx="2887980.0" cy="594360.0"/>
           </a:xfrm>
           <a:prstGeom prst="line">
             <a:avLst/>
@@ -3215,7 +3215,7 @@
         </p:nvSpPr>
         <p:spPr>
           <a:xfrm>
-            <a:off x="7040880" y="3108960"/>
+            <a:off x="7040880" y="2788920"/>
             <a:ext cx="1920240" cy="457200"/>
           </a:xfrm>
           <a:prstGeom prst="rect">
@@ -3233,7 +3233,116 @@
               <a:defRPr sz="1200" b="1"/>
             </a:pPr>
             <a:r>
-              <a:t>Levelling feet</a:t>
+              <a:t>Schrauben</a:t>
+            </a:r>
+          </a:p>
+        </p:txBody>
+      </p:sp>
+      <p:sp>
+        <p:nvSpPr>
+          <p:cNvPr id="7" name="Rectangle 6"/>
+          <p:cNvSpPr/>
+          <p:nvPr/>
+        </p:nvSpPr>
+        <p:spPr>
+          <a:xfrm>
+            <a:off x="4800600" y="2651760"/>
+            <a:ext cx="655320" cy="1409700"/>
+          </a:xfrm>
+          <a:prstGeom prst="rect">
+            <a:avLst/>
+          </a:prstGeom>
+          <a:noFill/>
+          <a:ln>
+            <a:solidFill>
+              <a:srgbClr val="FF0000"/>
+            </a:solidFill>
+          </a:ln>
+        </p:spPr>
+        <p:style>
+          <a:lnRef idx="1">
+            <a:schemeClr val="accent1"/>
+          </a:lnRef>
+          <a:fillRef idx="3">
+            <a:schemeClr val="accent1"/>
+          </a:fillRef>
+          <a:effectRef idx="2">
+            <a:schemeClr val="accent1"/>
+          </a:effectRef>
+          <a:fontRef idx="minor">
+            <a:schemeClr val="lt1"/>
+          </a:fontRef>
+        </p:style>
+        <p:txBody>
+          <a:bodyPr rtlCol="0" anchor="ctr"/>
+          <a:lstStyle/>
+          <a:p>
+            <a:pPr algn="ctr"/>
+          </a:p>
+        </p:txBody>
+      </p:sp>
+      <p:cxnSp>
+        <p:nvCxnSpPr>
+          <p:cNvPr id="8" name="Connector 7"/>
+          <p:cNvCxnSpPr/>
+          <p:nvPr/>
+        </p:nvCxnSpPr>
+        <p:spPr>
+          <a:xfrm>
+            <a:off x="5455920.0" y="3356610.0"/>
+            <a:ext cx="1584960.0" cy="300990.0"/>
+          </a:xfrm>
+          <a:prstGeom prst="line">
+            <a:avLst/>
+          </a:prstGeom>
+          <a:ln>
+            <a:solidFill>
+              <a:srgbClr val="0000FF"/>
+            </a:solidFill>
+          </a:ln>
+        </p:spPr>
+        <p:style>
+          <a:lnRef idx="2">
+            <a:schemeClr val="accent1"/>
+          </a:lnRef>
+          <a:fillRef idx="0">
+            <a:schemeClr val="accent1"/>
+          </a:fillRef>
+          <a:effectRef idx="1">
+            <a:schemeClr val="accent1"/>
+          </a:effectRef>
+          <a:fontRef idx="minor">
+            <a:schemeClr val="tx1"/>
+          </a:fontRef>
+        </p:style>
+      </p:cxnSp>
+      <p:sp>
+        <p:nvSpPr>
+          <p:cNvPr id="9" name="TextBox 8"/>
+          <p:cNvSpPr txBox="1"/>
+          <p:nvPr/>
+        </p:nvSpPr>
+        <p:spPr>
+          <a:xfrm>
+            <a:off x="7040880" y="3429000"/>
+            <a:ext cx="1920240" cy="457200"/>
+          </a:xfrm>
+          <a:prstGeom prst="rect">
+            <a:avLst/>
+          </a:prstGeom>
+          <a:noFill/>
+        </p:spPr>
+        <p:txBody>
+          <a:bodyPr wrap="none">
+            <a:spAutoFit/>
+          </a:bodyPr>
+          <a:lstStyle/>
+          <a:p>
+            <a:pPr>
+              <a:defRPr sz="1200" b="1"/>
+            </a:pPr>
+            <a:r>
+              <a:t>Klemm- und Positionierelemente</a:t>
             </a:r>
           </a:p>
         </p:txBody>

--- a/annotated_presentation.pptx
+++ b/annotated_presentation.pptx
@@ -3131,57 +3131,68 @@
       </p:pic>
       <p:sp>
         <p:nvSpPr>
-          <p:cNvPr id="4" name="Rectangle 3"/>
-          <p:cNvSpPr/>
+          <p:cNvPr id="4" name="TextBox 3"/>
+          <p:cNvSpPr txBox="1"/>
           <p:nvPr/>
         </p:nvSpPr>
         <p:spPr>
           <a:xfrm>
-            <a:off x="3802380" y="2194560"/>
-            <a:ext cx="350520" cy="457200"/>
+            <a:off x="7040880" y="457200"/>
+            <a:ext cx="1828800" cy="457200"/>
           </a:xfrm>
           <a:prstGeom prst="rect">
             <a:avLst/>
           </a:prstGeom>
           <a:noFill/>
-          <a:ln>
-            <a:solidFill>
-              <a:srgbClr val="FF0000"/>
-            </a:solidFill>
-          </a:ln>
         </p:spPr>
-        <p:style>
-          <a:lnRef idx="1">
-            <a:schemeClr val="accent1"/>
-          </a:lnRef>
-          <a:fillRef idx="3">
-            <a:schemeClr val="accent1"/>
-          </a:fillRef>
-          <a:effectRef idx="2">
-            <a:schemeClr val="accent1"/>
-          </a:effectRef>
-          <a:fontRef idx="minor">
-            <a:schemeClr val="lt1"/>
-          </a:fontRef>
-        </p:style>
-        <p:txBody>
-          <a:bodyPr rtlCol="0" anchor="ctr"/>
-          <a:lstStyle/>
-          <a:p>
-            <a:pPr algn="ctr"/>
-          </a:p>
-        </p:txBody>
-      </p:sp>
+        <p:txBody>
+          <a:bodyPr wrap="none">
+            <a:spAutoFit/>
+          </a:bodyPr>
+          <a:lstStyle/>
+          <a:p/>
+          <a:p>
+            <a:r>
+              <a:rPr sz="1200" b="1"/>
+              <a:t>Hydraulische Komponenten</a:t>
+            </a:r>
+          </a:p>
+        </p:txBody>
+      </p:sp>
+      <p:pic>
+        <p:nvPicPr>
+          <p:cNvPr id="5" name="Picture 4" descr="image.png"/>
+          <p:cNvPicPr>
+            <a:picLocks noChangeAspect="1"/>
+          </p:cNvPicPr>
+          <p:nvPr/>
+        </p:nvPicPr>
+        <p:blipFill>
+          <a:blip r:embed="rId3"/>
+          <a:stretch>
+            <a:fillRect/>
+          </a:stretch>
+        </p:blipFill>
+        <p:spPr>
+          <a:xfrm>
+            <a:off x="7040880" y="1097280"/>
+            <a:ext cx="1371600" cy="771143"/>
+          </a:xfrm>
+          <a:prstGeom prst="rect">
+            <a:avLst/>
+          </a:prstGeom>
+        </p:spPr>
+      </p:pic>
       <p:cxnSp>
         <p:nvCxnSpPr>
-          <p:cNvPr id="5" name="Connector 4"/>
+          <p:cNvPr id="6" name="Connector 5"/>
           <p:cNvCxnSpPr/>
           <p:nvPr/>
         </p:nvCxnSpPr>
         <p:spPr>
-          <a:xfrm>
-            <a:off x="4152900.0" y="2423160.0"/>
-            <a:ext cx="2887980.0" cy="594360.0"/>
+          <a:xfrm flipV="1">
+            <a:off x="3394710.0" y="1411224.0"/>
+            <a:ext cx="4560570.0" cy="2124456.0"/>
           </a:xfrm>
           <a:prstGeom prst="line">
             <a:avLst/>
@@ -3209,14 +3220,14 @@
       </p:cxnSp>
       <p:sp>
         <p:nvSpPr>
-          <p:cNvPr id="6" name="TextBox 5"/>
+          <p:cNvPr id="7" name="TextBox 6"/>
           <p:cNvSpPr txBox="1"/>
           <p:nvPr/>
         </p:nvSpPr>
         <p:spPr>
           <a:xfrm>
-            <a:off x="7040880" y="2788920"/>
-            <a:ext cx="1920240" cy="457200"/>
+            <a:off x="457200" y="457200"/>
+            <a:ext cx="1828800" cy="457200"/>
           </a:xfrm>
           <a:prstGeom prst="rect">
             <a:avLst/>
@@ -3228,69 +3239,49 @@
             <a:spAutoFit/>
           </a:bodyPr>
           <a:lstStyle/>
-          <a:p>
-            <a:pPr>
-              <a:defRPr sz="1200" b="1"/>
-            </a:pPr>
-            <a:r>
+          <a:p/>
+          <a:p>
+            <a:r>
+              <a:rPr sz="1200" b="1"/>
               <a:t>Schrauben</a:t>
             </a:r>
           </a:p>
         </p:txBody>
       </p:sp>
-      <p:sp>
-        <p:nvSpPr>
-          <p:cNvPr id="7" name="Rectangle 6"/>
-          <p:cNvSpPr/>
+      <p:pic>
+        <p:nvPicPr>
+          <p:cNvPr id="8" name="Picture 7" descr="image.png"/>
+          <p:cNvPicPr>
+            <a:picLocks noChangeAspect="1"/>
+          </p:cNvPicPr>
           <p:nvPr/>
-        </p:nvSpPr>
+        </p:nvPicPr>
+        <p:blipFill>
+          <a:blip r:embed="rId4"/>
+          <a:stretch>
+            <a:fillRect/>
+          </a:stretch>
+        </p:blipFill>
         <p:spPr>
           <a:xfrm>
-            <a:off x="4800600" y="2651760"/>
-            <a:ext cx="655320" cy="1409700"/>
+            <a:off x="457200" y="1097280"/>
+            <a:ext cx="1371600" cy="771143"/>
           </a:xfrm>
           <a:prstGeom prst="rect">
             <a:avLst/>
           </a:prstGeom>
-          <a:noFill/>
-          <a:ln>
-            <a:solidFill>
-              <a:srgbClr val="FF0000"/>
-            </a:solidFill>
-          </a:ln>
         </p:spPr>
-        <p:style>
-          <a:lnRef idx="1">
-            <a:schemeClr val="accent1"/>
-          </a:lnRef>
-          <a:fillRef idx="3">
-            <a:schemeClr val="accent1"/>
-          </a:fillRef>
-          <a:effectRef idx="2">
-            <a:schemeClr val="accent1"/>
-          </a:effectRef>
-          <a:fontRef idx="minor">
-            <a:schemeClr val="lt1"/>
-          </a:fontRef>
-        </p:style>
-        <p:txBody>
-          <a:bodyPr rtlCol="0" anchor="ctr"/>
-          <a:lstStyle/>
-          <a:p>
-            <a:pPr algn="ctr"/>
-          </a:p>
-        </p:txBody>
-      </p:sp>
+      </p:pic>
       <p:cxnSp>
         <p:nvCxnSpPr>
-          <p:cNvPr id="8" name="Connector 7"/>
+          <p:cNvPr id="9" name="Connector 8"/>
           <p:cNvCxnSpPr/>
           <p:nvPr/>
         </p:nvCxnSpPr>
         <p:spPr>
-          <a:xfrm>
-            <a:off x="5455920.0" y="3356610.0"/>
-            <a:ext cx="1584960.0" cy="300990.0"/>
+          <a:xfrm flipH="1" flipV="1">
+            <a:off x="1371600.0" y="1411224.0"/>
+            <a:ext cx="2632710.0" cy="1027176.0"/>
           </a:xfrm>
           <a:prstGeom prst="line">
             <a:avLst/>
@@ -3318,14 +3309,14 @@
       </p:cxnSp>
       <p:sp>
         <p:nvSpPr>
-          <p:cNvPr id="9" name="TextBox 8"/>
+          <p:cNvPr id="10" name="TextBox 9"/>
           <p:cNvSpPr txBox="1"/>
           <p:nvPr/>
         </p:nvSpPr>
         <p:spPr>
           <a:xfrm>
-            <a:off x="7040880" y="3429000"/>
-            <a:ext cx="1920240" cy="457200"/>
+            <a:off x="7040880" y="1371600"/>
+            <a:ext cx="1828800" cy="457200"/>
           </a:xfrm>
           <a:prstGeom prst="rect">
             <a:avLst/>
@@ -3337,16 +3328,74 @@
             <a:spAutoFit/>
           </a:bodyPr>
           <a:lstStyle/>
-          <a:p>
-            <a:pPr>
-              <a:defRPr sz="1200" b="1"/>
-            </a:pPr>
-            <a:r>
+          <a:p/>
+          <a:p>
+            <a:r>
+              <a:rPr sz="1200" b="1"/>
               <a:t>Klemm- und Positionierelemente</a:t>
             </a:r>
           </a:p>
         </p:txBody>
       </p:sp>
+      <p:pic>
+        <p:nvPicPr>
+          <p:cNvPr id="11" name="Picture 10" descr="image.png"/>
+          <p:cNvPicPr>
+            <a:picLocks noChangeAspect="1"/>
+          </p:cNvPicPr>
+          <p:nvPr/>
+        </p:nvPicPr>
+        <p:blipFill>
+          <a:blip r:embed="rId5"/>
+          <a:stretch>
+            <a:fillRect/>
+          </a:stretch>
+        </p:blipFill>
+        <p:spPr>
+          <a:xfrm>
+            <a:off x="7040880" y="2011680"/>
+            <a:ext cx="1371600" cy="771143"/>
+          </a:xfrm>
+          <a:prstGeom prst="rect">
+            <a:avLst/>
+          </a:prstGeom>
+        </p:spPr>
+      </p:pic>
+      <p:cxnSp>
+        <p:nvCxnSpPr>
+          <p:cNvPr id="12" name="Connector 11"/>
+          <p:cNvCxnSpPr/>
+          <p:nvPr/>
+        </p:nvCxnSpPr>
+        <p:spPr>
+          <a:xfrm flipV="1">
+            <a:off x="5086350.0" y="2325624.0"/>
+            <a:ext cx="2868930.0" cy="1438656.0"/>
+          </a:xfrm>
+          <a:prstGeom prst="line">
+            <a:avLst/>
+          </a:prstGeom>
+          <a:ln>
+            <a:solidFill>
+              <a:srgbClr val="0000FF"/>
+            </a:solidFill>
+          </a:ln>
+        </p:spPr>
+        <p:style>
+          <a:lnRef idx="2">
+            <a:schemeClr val="accent1"/>
+          </a:lnRef>
+          <a:fillRef idx="0">
+            <a:schemeClr val="accent1"/>
+          </a:fillRef>
+          <a:effectRef idx="1">
+            <a:schemeClr val="accent1"/>
+          </a:effectRef>
+          <a:fontRef idx="minor">
+            <a:schemeClr val="tx1"/>
+          </a:fontRef>
+        </p:style>
+      </p:cxnSp>
     </p:spTree>
   </p:cSld>
   <p:clrMapOvr>

--- a/annotated_presentation.pptx
+++ b/annotated_presentation.pptx
@@ -3121,8 +3121,8 @@
         </p:blipFill>
         <p:spPr>
           <a:xfrm>
-            <a:off x="2286000" y="1905000"/>
-            <a:ext cx="4572000" cy="3048000"/>
+            <a:off x="2286000" y="1670538"/>
+            <a:ext cx="4572000" cy="3516923"/>
           </a:xfrm>
           <a:prstGeom prst="rect">
             <a:avLst/>
@@ -3137,7 +3137,7 @@
         </p:nvSpPr>
         <p:spPr>
           <a:xfrm>
-            <a:off x="7040880" y="457200"/>
+            <a:off x="7315200" y="457200"/>
             <a:ext cx="1828800" cy="457200"/>
           </a:xfrm>
           <a:prstGeom prst="rect">
@@ -3154,7 +3154,7 @@
           <a:p>
             <a:r>
               <a:rPr sz="1200" b="1"/>
-              <a:t>Hydraulische Komponenten</a:t>
+              <a:t>Positionierungselemente</a:t>
             </a:r>
           </a:p>
         </p:txBody>
@@ -3175,7 +3175,7 @@
         </p:blipFill>
         <p:spPr>
           <a:xfrm>
-            <a:off x="7040880" y="1097280"/>
+            <a:off x="7315200" y="1097280"/>
             <a:ext cx="1371600" cy="771143"/>
           </a:xfrm>
           <a:prstGeom prst="rect">
@@ -3191,8 +3191,8 @@
         </p:nvCxnSpPr>
         <p:spPr>
           <a:xfrm flipV="1">
-            <a:off x="3394710.0" y="1411224.0"/>
-            <a:ext cx="4560570.0" cy="2124456.0"/>
+            <a:off x="4591538.461538462" y="685800.0"/>
+            <a:ext cx="3638061.538461538" cy="2923930.769230769"/>
           </a:xfrm>
           <a:prstGeom prst="line">
             <a:avLst/>
@@ -3226,7 +3226,7 @@
         </p:nvSpPr>
         <p:spPr>
           <a:xfrm>
-            <a:off x="457200" y="457200"/>
+            <a:off x="0" y="457200"/>
             <a:ext cx="1828800" cy="457200"/>
           </a:xfrm>
           <a:prstGeom prst="rect">
@@ -3243,7 +3243,7 @@
           <a:p>
             <a:r>
               <a:rPr sz="1200" b="1"/>
-              <a:t>Schrauben</a:t>
+              <a:t>Bedien- und Kontrollelemente</a:t>
             </a:r>
           </a:p>
         </p:txBody>
@@ -3264,7 +3264,7 @@
         </p:blipFill>
         <p:spPr>
           <a:xfrm>
-            <a:off x="457200" y="1097280"/>
+            <a:off x="0" y="1097280"/>
             <a:ext cx="1371600" cy="771143"/>
           </a:xfrm>
           <a:prstGeom prst="rect">
@@ -3280,8 +3280,8 @@
         </p:nvCxnSpPr>
         <p:spPr>
           <a:xfrm flipH="1" flipV="1">
-            <a:off x="1371600.0" y="1411224.0"/>
-            <a:ext cx="2632710.0" cy="1027176.0"/>
+            <a:off x="914400.0" y="685800.0"/>
+            <a:ext cx="2245946.153846154" cy="2757853.846153846"/>
           </a:xfrm>
           <a:prstGeom prst="line">
             <a:avLst/>
@@ -3315,7 +3315,7 @@
         </p:nvSpPr>
         <p:spPr>
           <a:xfrm>
-            <a:off x="7040880" y="1371600"/>
+            <a:off x="7315200" y="2325624"/>
             <a:ext cx="1828800" cy="457200"/>
           </a:xfrm>
           <a:prstGeom prst="rect">
@@ -3332,7 +3332,7 @@
           <a:p>
             <a:r>
               <a:rPr sz="1200" b="1"/>
-              <a:t>Klemm- und Positionierelemente</a:t>
+              <a:t>Schrauben</a:t>
             </a:r>
           </a:p>
         </p:txBody>
@@ -3353,7 +3353,7 @@
         </p:blipFill>
         <p:spPr>
           <a:xfrm>
-            <a:off x="7040880" y="2011680"/>
+            <a:off x="7315200" y="2965704"/>
             <a:ext cx="1371600" cy="771143"/>
           </a:xfrm>
           <a:prstGeom prst="rect">
@@ -3369,8 +3369,8 @@
         </p:nvCxnSpPr>
         <p:spPr>
           <a:xfrm flipV="1">
-            <a:off x="5086350.0" y="2325624.0"/>
-            <a:ext cx="2868930.0" cy="1438656.0"/>
+            <a:off x="5983653.846153846" y="2554224.0"/>
+            <a:ext cx="2245946.153846154" cy="1275314.4615384615"/>
           </a:xfrm>
           <a:prstGeom prst="line">
             <a:avLst/>

--- a/annotated_presentation.pptx
+++ b/annotated_presentation.pptx
@@ -3121,12 +3121,17 @@
         </p:blipFill>
         <p:spPr>
           <a:xfrm>
-            <a:off x="2286000" y="1670538"/>
-            <a:ext cx="4572000" cy="3516923"/>
+            <a:off x="2286000" y="1905000"/>
+            <a:ext cx="4572000" cy="3048000"/>
           </a:xfrm>
           <a:prstGeom prst="rect">
             <a:avLst/>
           </a:prstGeom>
+          <a:ln w="38100">
+            <a:solidFill>
+              <a:srgbClr val="000000"/>
+            </a:solidFill>
+          </a:ln>
         </p:spPr>
       </p:pic>
       <p:sp>
@@ -3137,8 +3142,8 @@
         </p:nvSpPr>
         <p:spPr>
           <a:xfrm>
-            <a:off x="7315200" y="457200"/>
-            <a:ext cx="1828800" cy="457200"/>
+            <a:off x="457200" y="914400"/>
+            <a:ext cx="1645920" cy="640080"/>
           </a:xfrm>
           <a:prstGeom prst="rect">
             <a:avLst/>
@@ -3146,53 +3151,33 @@
           <a:noFill/>
         </p:spPr>
         <p:txBody>
-          <a:bodyPr wrap="none">
+          <a:bodyPr wrap="square">
             <a:spAutoFit/>
           </a:bodyPr>
           <a:lstStyle/>
-          <a:p/>
-          <a:p>
-            <a:r>
-              <a:rPr sz="1200" b="1"/>
-              <a:t>Positionierungselemente</a:t>
-            </a:r>
-          </a:p>
-        </p:txBody>
-      </p:sp>
-      <p:pic>
-        <p:nvPicPr>
-          <p:cNvPr id="5" name="Picture 4" descr="image.png"/>
-          <p:cNvPicPr>
-            <a:picLocks noChangeAspect="1"/>
-          </p:cNvPicPr>
-          <p:nvPr/>
-        </p:nvPicPr>
-        <p:blipFill>
-          <a:blip r:embed="rId3"/>
-          <a:stretch>
-            <a:fillRect/>
-          </a:stretch>
-        </p:blipFill>
-        <p:spPr>
-          <a:xfrm>
-            <a:off x="7315200" y="1097280"/>
-            <a:ext cx="1371600" cy="771143"/>
-          </a:xfrm>
-          <a:prstGeom prst="rect">
-            <a:avLst/>
-          </a:prstGeom>
-        </p:spPr>
-      </p:pic>
+          <a:p>
+            <a:pPr algn="l"/>
+          </a:p>
+          <a:p>
+            <a:pPr>
+              <a:defRPr sz="1200" b="1"/>
+            </a:pPr>
+            <a:r>
+              <a:t>Hydraulische Komponenten</a:t>
+            </a:r>
+          </a:p>
+        </p:txBody>
+      </p:sp>
       <p:cxnSp>
         <p:nvCxnSpPr>
-          <p:cNvPr id="6" name="Connector 5"/>
+          <p:cNvPr id="5" name="Connector 4"/>
           <p:cNvCxnSpPr/>
           <p:nvPr/>
         </p:nvCxnSpPr>
         <p:spPr>
-          <a:xfrm flipV="1">
-            <a:off x="4591538.461538462" y="685800.0"/>
-            <a:ext cx="3638061.538461538" cy="2923930.769230769"/>
+          <a:xfrm flipH="1" flipV="1">
+            <a:off x="2103120.0" y="1554480"/>
+            <a:ext cx="1066800.0" cy="2205990.0"/>
           </a:xfrm>
           <a:prstGeom prst="line">
             <a:avLst/>
@@ -3220,14 +3205,86 @@
       </p:cxnSp>
       <p:sp>
         <p:nvSpPr>
-          <p:cNvPr id="7" name="TextBox 6"/>
+          <p:cNvPr id="6" name="Rectangle 5"/>
+          <p:cNvSpPr/>
+          <p:nvPr/>
+        </p:nvSpPr>
+        <p:spPr>
+          <a:xfrm>
+            <a:off x="3169920" y="3048000"/>
+            <a:ext cx="525780" cy="1424940"/>
+          </a:xfrm>
+          <a:prstGeom prst="rect">
+            <a:avLst/>
+          </a:prstGeom>
+          <a:noFill/>
+          <a:ln w="38100">
+            <a:solidFill>
+              <a:srgbClr val="FF0000"/>
+            </a:solidFill>
+          </a:ln>
+        </p:spPr>
+        <p:style>
+          <a:lnRef idx="1">
+            <a:schemeClr val="accent1"/>
+          </a:lnRef>
+          <a:fillRef idx="3">
+            <a:schemeClr val="accent1"/>
+          </a:fillRef>
+          <a:effectRef idx="2">
+            <a:schemeClr val="accent1"/>
+          </a:effectRef>
+          <a:fontRef idx="minor">
+            <a:schemeClr val="lt1"/>
+          </a:fontRef>
+        </p:style>
+        <p:txBody>
+          <a:bodyPr rtlCol="0" anchor="ctr"/>
+          <a:lstStyle/>
+          <a:p>
+            <a:pPr algn="ctr"/>
+          </a:p>
+        </p:txBody>
+      </p:sp>
+      <p:pic>
+        <p:nvPicPr>
+          <p:cNvPr id="7" name="Picture 6" descr="image.png"/>
+          <p:cNvPicPr>
+            <a:picLocks noChangeAspect="1"/>
+          </p:cNvPicPr>
+          <p:nvPr/>
+        </p:nvPicPr>
+        <p:blipFill>
+          <a:blip r:embed="rId3"/>
+          <a:stretch>
+            <a:fillRect/>
+          </a:stretch>
+        </p:blipFill>
+        <p:spPr>
+          <a:xfrm>
+            <a:off x="457200" y="1645920"/>
+            <a:ext cx="1371600" cy="771143"/>
+          </a:xfrm>
+          <a:prstGeom prst="rect">
+            <a:avLst/>
+          </a:prstGeom>
+          <a:ln w="38100">
+            <a:solidFill>
+              <a:srgbClr val="000000"/>
+            </a:solidFill>
+          </a:ln>
+        </p:spPr>
+      </p:pic>
+      <p:sp>
+        <p:nvSpPr>
+          <p:cNvPr id="8" name="TextBox 7"/>
           <p:cNvSpPr txBox="1"/>
           <p:nvPr/>
         </p:nvSpPr>
         <p:spPr>
           <a:xfrm>
-            <a:off x="0" y="457200"/>
-            <a:ext cx="1828800" cy="457200"/>
+            <a:off x="7040880" y="914400"/>
+            <a:ext cx="1645920" cy="640080"/>
           </a:xfrm>
           <a:prstGeom prst="rect">
             <a:avLst/>
@@ -3235,43 +3292,23 @@
           <a:noFill/>
         </p:spPr>
         <p:txBody>
-          <a:bodyPr wrap="none">
+          <a:bodyPr wrap="square">
             <a:spAutoFit/>
           </a:bodyPr>
           <a:lstStyle/>
-          <a:p/>
-          <a:p>
-            <a:r>
-              <a:rPr sz="1200" b="1"/>
-              <a:t>Bedien- und Kontrollelemente</a:t>
-            </a:r>
-          </a:p>
-        </p:txBody>
-      </p:sp>
-      <p:pic>
-        <p:nvPicPr>
-          <p:cNvPr id="8" name="Picture 7" descr="image.png"/>
-          <p:cNvPicPr>
-            <a:picLocks noChangeAspect="1"/>
-          </p:cNvPicPr>
-          <p:nvPr/>
-        </p:nvPicPr>
-        <p:blipFill>
-          <a:blip r:embed="rId4"/>
-          <a:stretch>
-            <a:fillRect/>
-          </a:stretch>
-        </p:blipFill>
-        <p:spPr>
-          <a:xfrm>
-            <a:off x="0" y="1097280"/>
-            <a:ext cx="1371600" cy="771143"/>
-          </a:xfrm>
-          <a:prstGeom prst="rect">
-            <a:avLst/>
-          </a:prstGeom>
-        </p:spPr>
-      </p:pic>
+          <a:p>
+            <a:pPr algn="l"/>
+          </a:p>
+          <a:p>
+            <a:pPr>
+              <a:defRPr sz="1200" b="1"/>
+            </a:pPr>
+            <a:r>
+              <a:t>Klemm- und Positionierelemente</a:t>
+            </a:r>
+          </a:p>
+        </p:txBody>
+      </p:sp>
       <p:cxnSp>
         <p:nvCxnSpPr>
           <p:cNvPr id="9" name="Connector 8"/>
@@ -3279,9 +3316,9 @@
           <p:nvPr/>
         </p:nvCxnSpPr>
         <p:spPr>
-          <a:xfrm flipH="1" flipV="1">
-            <a:off x="914400.0" y="685800.0"/>
-            <a:ext cx="2245946.153846154" cy="2757853.846153846"/>
+          <a:xfrm flipV="1">
+            <a:off x="4244340.0" y="1554480"/>
+            <a:ext cx="2796540.0" cy="2967990.0"/>
           </a:xfrm>
           <a:prstGeom prst="line">
             <a:avLst/>
@@ -3309,31 +3346,44 @@
       </p:cxnSp>
       <p:sp>
         <p:nvSpPr>
-          <p:cNvPr id="10" name="TextBox 9"/>
-          <p:cNvSpPr txBox="1"/>
+          <p:cNvPr id="10" name="Rectangle 9"/>
+          <p:cNvSpPr/>
           <p:nvPr/>
         </p:nvSpPr>
         <p:spPr>
           <a:xfrm>
-            <a:off x="7315200" y="2325624"/>
-            <a:ext cx="1828800" cy="457200"/>
+            <a:off x="3787140" y="4152900"/>
+            <a:ext cx="457200" cy="739140"/>
           </a:xfrm>
           <a:prstGeom prst="rect">
             <a:avLst/>
           </a:prstGeom>
           <a:noFill/>
+          <a:ln w="38100">
+            <a:solidFill>
+              <a:srgbClr val="FF0000"/>
+            </a:solidFill>
+          </a:ln>
         </p:spPr>
-        <p:txBody>
-          <a:bodyPr wrap="none">
-            <a:spAutoFit/>
-          </a:bodyPr>
-          <a:lstStyle/>
-          <a:p/>
-          <a:p>
-            <a:r>
-              <a:rPr sz="1200" b="1"/>
-              <a:t>Schrauben</a:t>
-            </a:r>
+        <p:style>
+          <a:lnRef idx="1">
+            <a:schemeClr val="accent1"/>
+          </a:lnRef>
+          <a:fillRef idx="3">
+            <a:schemeClr val="accent1"/>
+          </a:fillRef>
+          <a:effectRef idx="2">
+            <a:schemeClr val="accent1"/>
+          </a:effectRef>
+          <a:fontRef idx="minor">
+            <a:schemeClr val="lt1"/>
+          </a:fontRef>
+        </p:style>
+        <p:txBody>
+          <a:bodyPr rtlCol="0" anchor="ctr"/>
+          <a:lstStyle/>
+          <a:p>
+            <a:pPr algn="ctr"/>
           </a:p>
         </p:txBody>
       </p:sp>
@@ -3346,31 +3396,70 @@
           <p:nvPr/>
         </p:nvPicPr>
         <p:blipFill>
-          <a:blip r:embed="rId5"/>
+          <a:blip r:embed="rId4"/>
           <a:stretch>
             <a:fillRect/>
           </a:stretch>
         </p:blipFill>
         <p:spPr>
           <a:xfrm>
-            <a:off x="7315200" y="2965704"/>
+            <a:off x="7040880" y="1645920"/>
             <a:ext cx="1371600" cy="771143"/>
           </a:xfrm>
           <a:prstGeom prst="rect">
             <a:avLst/>
           </a:prstGeom>
+          <a:ln w="38100">
+            <a:solidFill>
+              <a:srgbClr val="000000"/>
+            </a:solidFill>
+          </a:ln>
         </p:spPr>
       </p:pic>
+      <p:sp>
+        <p:nvSpPr>
+          <p:cNvPr id="12" name="TextBox 11"/>
+          <p:cNvSpPr txBox="1"/>
+          <p:nvPr/>
+        </p:nvSpPr>
+        <p:spPr>
+          <a:xfrm>
+            <a:off x="7040880" y="3200400"/>
+            <a:ext cx="1645920" cy="640080"/>
+          </a:xfrm>
+          <a:prstGeom prst="rect">
+            <a:avLst/>
+          </a:prstGeom>
+          <a:noFill/>
+        </p:spPr>
+        <p:txBody>
+          <a:bodyPr wrap="square">
+            <a:spAutoFit/>
+          </a:bodyPr>
+          <a:lstStyle/>
+          <a:p>
+            <a:pPr algn="l"/>
+          </a:p>
+          <a:p>
+            <a:pPr>
+              <a:defRPr sz="1200" b="1"/>
+            </a:pPr>
+            <a:r>
+              <a:t>Verschlüsse</a:t>
+            </a:r>
+          </a:p>
+        </p:txBody>
+      </p:sp>
       <p:cxnSp>
         <p:nvCxnSpPr>
-          <p:cNvPr id="12" name="Connector 11"/>
+          <p:cNvPr id="13" name="Connector 12"/>
           <p:cNvCxnSpPr/>
           <p:nvPr/>
         </p:nvCxnSpPr>
         <p:spPr>
-          <a:xfrm flipV="1">
-            <a:off x="5983653.846153846" y="2554224.0"/>
-            <a:ext cx="2245946.153846154" cy="1275314.4615384615"/>
+          <a:xfrm>
+            <a:off x="6606540.0" y="2289810.0"/>
+            <a:ext cx="434340.0" cy="1550670.0"/>
           </a:xfrm>
           <a:prstGeom prst="line">
             <a:avLst/>
@@ -3396,6 +3485,78 @@
           </a:fontRef>
         </p:style>
       </p:cxnSp>
+      <p:sp>
+        <p:nvSpPr>
+          <p:cNvPr id="14" name="Rectangle 13"/>
+          <p:cNvSpPr/>
+          <p:nvPr/>
+        </p:nvSpPr>
+        <p:spPr>
+          <a:xfrm>
+            <a:off x="6248400" y="2042160"/>
+            <a:ext cx="358140" cy="495300"/>
+          </a:xfrm>
+          <a:prstGeom prst="rect">
+            <a:avLst/>
+          </a:prstGeom>
+          <a:noFill/>
+          <a:ln w="38100">
+            <a:solidFill>
+              <a:srgbClr val="FF0000"/>
+            </a:solidFill>
+          </a:ln>
+        </p:spPr>
+        <p:style>
+          <a:lnRef idx="1">
+            <a:schemeClr val="accent1"/>
+          </a:lnRef>
+          <a:fillRef idx="3">
+            <a:schemeClr val="accent1"/>
+          </a:fillRef>
+          <a:effectRef idx="2">
+            <a:schemeClr val="accent1"/>
+          </a:effectRef>
+          <a:fontRef idx="minor">
+            <a:schemeClr val="lt1"/>
+          </a:fontRef>
+        </p:style>
+        <p:txBody>
+          <a:bodyPr rtlCol="0" anchor="ctr"/>
+          <a:lstStyle/>
+          <a:p>
+            <a:pPr algn="ctr"/>
+          </a:p>
+        </p:txBody>
+      </p:sp>
+      <p:pic>
+        <p:nvPicPr>
+          <p:cNvPr id="15" name="Picture 14" descr="image.png"/>
+          <p:cNvPicPr>
+            <a:picLocks noChangeAspect="1"/>
+          </p:cNvPicPr>
+          <p:nvPr/>
+        </p:nvPicPr>
+        <p:blipFill>
+          <a:blip r:embed="rId5"/>
+          <a:stretch>
+            <a:fillRect/>
+          </a:stretch>
+        </p:blipFill>
+        <p:spPr>
+          <a:xfrm>
+            <a:off x="7040880" y="3931920"/>
+            <a:ext cx="1371600" cy="771143"/>
+          </a:xfrm>
+          <a:prstGeom prst="rect">
+            <a:avLst/>
+          </a:prstGeom>
+          <a:ln w="38100">
+            <a:solidFill>
+              <a:srgbClr val="000000"/>
+            </a:solidFill>
+          </a:ln>
+        </p:spPr>
+      </p:pic>
     </p:spTree>
   </p:cSld>
   <p:clrMapOvr>

--- a/annotated_presentation.pptx
+++ b/annotated_presentation.pptx
@@ -3163,7 +3163,7 @@
               <a:defRPr sz="1200" b="1"/>
             </a:pPr>
             <a:r>
-              <a:t>Hydraulische Komponenten</a:t>
+              <a:t>hydraulik</a:t>
             </a:r>
           </a:p>
         </p:txBody>
@@ -3177,7 +3177,7 @@
         <p:spPr>
           <a:xfrm flipH="1" flipV="1">
             <a:off x="2103120.0" y="1554480"/>
-            <a:ext cx="1066800.0" cy="2205990.0"/>
+            <a:ext cx="1005840.0" cy="1901190.0"/>
           </a:xfrm>
           <a:prstGeom prst="line">
             <a:avLst/>
@@ -3211,8 +3211,8 @@
         </p:nvSpPr>
         <p:spPr>
           <a:xfrm>
-            <a:off x="3169920" y="3048000"/>
-            <a:ext cx="525780" cy="1424940"/>
+            <a:off x="3108960" y="2842260"/>
+            <a:ext cx="419100" cy="1226820"/>
           </a:xfrm>
           <a:prstGeom prst="rect">
             <a:avLst/>
@@ -3246,38 +3246,9 @@
           </a:p>
         </p:txBody>
       </p:sp>
-      <p:pic>
-        <p:nvPicPr>
-          <p:cNvPr id="7" name="Picture 6" descr="image.png"/>
-          <p:cNvPicPr>
-            <a:picLocks noChangeAspect="1"/>
-          </p:cNvPicPr>
-          <p:nvPr/>
-        </p:nvPicPr>
-        <p:blipFill>
-          <a:blip r:embed="rId3"/>
-          <a:stretch>
-            <a:fillRect/>
-          </a:stretch>
-        </p:blipFill>
-        <p:spPr>
-          <a:xfrm>
-            <a:off x="457200" y="1645920"/>
-            <a:ext cx="1371600" cy="771143"/>
-          </a:xfrm>
-          <a:prstGeom prst="rect">
-            <a:avLst/>
-          </a:prstGeom>
-          <a:ln w="38100">
-            <a:solidFill>
-              <a:srgbClr val="000000"/>
-            </a:solidFill>
-          </a:ln>
-        </p:spPr>
-      </p:pic>
-      <p:sp>
-        <p:nvSpPr>
-          <p:cNvPr id="8" name="TextBox 7"/>
+      <p:sp>
+        <p:nvSpPr>
+          <p:cNvPr id="7" name="TextBox 6"/>
           <p:cNvSpPr txBox="1"/>
           <p:nvPr/>
         </p:nvSpPr>
@@ -3304,21 +3275,21 @@
               <a:defRPr sz="1200" b="1"/>
             </a:pPr>
             <a:r>
-              <a:t>Klemm- und Positionierelemente</a:t>
+              <a:t>Stiftschrauben</a:t>
             </a:r>
           </a:p>
         </p:txBody>
       </p:sp>
       <p:cxnSp>
         <p:nvCxnSpPr>
-          <p:cNvPr id="9" name="Connector 8"/>
+          <p:cNvPr id="8" name="Connector 7"/>
           <p:cNvCxnSpPr/>
           <p:nvPr/>
         </p:nvCxnSpPr>
         <p:spPr>
           <a:xfrm flipV="1">
-            <a:off x="4244340.0" y="1554480"/>
-            <a:ext cx="2796540.0" cy="2967990.0"/>
+            <a:off x="4175760.0" y="1554480"/>
+            <a:ext cx="2865120.0" cy="906780.0"/>
           </a:xfrm>
           <a:prstGeom prst="line">
             <a:avLst/>
@@ -3346,14 +3317,14 @@
       </p:cxnSp>
       <p:sp>
         <p:nvSpPr>
-          <p:cNvPr id="10" name="Rectangle 9"/>
+          <p:cNvPr id="9" name="Rectangle 8"/>
           <p:cNvSpPr/>
           <p:nvPr/>
         </p:nvSpPr>
         <p:spPr>
           <a:xfrm>
-            <a:off x="3787140" y="4152900"/>
-            <a:ext cx="457200" cy="739140"/>
+            <a:off x="3726180" y="2217420"/>
+            <a:ext cx="449580" cy="487680"/>
           </a:xfrm>
           <a:prstGeom prst="rect">
             <a:avLst/>
@@ -3389,14 +3360,14 @@
       </p:sp>
       <p:pic>
         <p:nvPicPr>
-          <p:cNvPr id="11" name="Picture 10" descr="image.png"/>
+          <p:cNvPr id="10" name="Picture 9" descr="image.png"/>
           <p:cNvPicPr>
             <a:picLocks noChangeAspect="1"/>
           </p:cNvPicPr>
           <p:nvPr/>
         </p:nvPicPr>
         <p:blipFill>
-          <a:blip r:embed="rId4"/>
+          <a:blip r:embed="rId3"/>
           <a:stretch>
             <a:fillRect/>
           </a:stretch>
@@ -3418,7 +3389,7 @@
       </p:pic>
       <p:sp>
         <p:nvSpPr>
-          <p:cNvPr id="12" name="TextBox 11"/>
+          <p:cNvPr id="11" name="TextBox 10"/>
           <p:cNvSpPr txBox="1"/>
           <p:nvPr/>
         </p:nvSpPr>
@@ -3445,21 +3416,21 @@
               <a:defRPr sz="1200" b="1"/>
             </a:pPr>
             <a:r>
-              <a:t>Verschlüsse</a:t>
+              <a:t>Räder und Rollen</a:t>
             </a:r>
           </a:p>
         </p:txBody>
       </p:sp>
       <p:cxnSp>
         <p:nvCxnSpPr>
-          <p:cNvPr id="13" name="Connector 12"/>
+          <p:cNvPr id="12" name="Connector 11"/>
           <p:cNvCxnSpPr/>
           <p:nvPr/>
         </p:nvCxnSpPr>
         <p:spPr>
           <a:xfrm>
-            <a:off x="6606540.0" y="2289810.0"/>
-            <a:ext cx="434340.0" cy="1550670.0"/>
+            <a:off x="5554980.0" y="3741420.0"/>
+            <a:ext cx="1485900.0" cy="99060.0"/>
           </a:xfrm>
           <a:prstGeom prst="line">
             <a:avLst/>
@@ -3487,14 +3458,14 @@
       </p:cxnSp>
       <p:sp>
         <p:nvSpPr>
-          <p:cNvPr id="14" name="Rectangle 13"/>
+          <p:cNvPr id="13" name="Rectangle 12"/>
           <p:cNvSpPr/>
           <p:nvPr/>
         </p:nvSpPr>
         <p:spPr>
           <a:xfrm>
-            <a:off x="6248400" y="2042160"/>
-            <a:ext cx="358140" cy="495300"/>
+            <a:off x="4846320" y="3314700"/>
+            <a:ext cx="708660" cy="853440"/>
           </a:xfrm>
           <a:prstGeom prst="rect">
             <a:avLst/>
@@ -3530,14 +3501,14 @@
       </p:sp>
       <p:pic>
         <p:nvPicPr>
-          <p:cNvPr id="15" name="Picture 14" descr="image.png"/>
+          <p:cNvPr id="14" name="Picture 13" descr="image.png"/>
           <p:cNvPicPr>
             <a:picLocks noChangeAspect="1"/>
           </p:cNvPicPr>
           <p:nvPr/>
         </p:nvPicPr>
         <p:blipFill>
-          <a:blip r:embed="rId5"/>
+          <a:blip r:embed="rId4"/>
           <a:stretch>
             <a:fillRect/>
           </a:stretch>
